--- a/JSP PPT/第08章 JSP基本语法及基本技术.pptx
+++ b/JSP PPT/第08章 JSP基本语法及基本技术.pptx
@@ -21645,7 +21645,7 @@
           <a:p>
             <a:fld id="{530820CF-B880-4189-942D-D702A7CBA730}" type="datetimeFigureOut">
               <a:rPr lang="zh-CN" altLang="en-US" smtClean="0"/>
-              <a:t>2019/6/27</a:t>
+              <a:t>2019/10/24</a:t>
             </a:fld>
             <a:endParaRPr lang="zh-CN" altLang="en-US"/>
           </a:p>
@@ -21810,7 +21810,7 @@
           <a:p>
             <a:fld id="{530820CF-B880-4189-942D-D702A7CBA730}" type="datetimeFigureOut">
               <a:rPr lang="zh-CN" altLang="en-US" smtClean="0"/>
-              <a:t>2019/6/27</a:t>
+              <a:t>2019/10/24</a:t>
             </a:fld>
             <a:endParaRPr lang="zh-CN" altLang="en-US"/>
           </a:p>
@@ -21985,7 +21985,7 @@
           <a:p>
             <a:fld id="{530820CF-B880-4189-942D-D702A7CBA730}" type="datetimeFigureOut">
               <a:rPr lang="zh-CN" altLang="en-US" smtClean="0"/>
-              <a:t>2019/6/27</a:t>
+              <a:t>2019/10/24</a:t>
             </a:fld>
             <a:endParaRPr lang="zh-CN" altLang="en-US"/>
           </a:p>
@@ -22168,7 +22168,7 @@
           <a:p>
             <a:fld id="{530820CF-B880-4189-942D-D702A7CBA730}" type="datetimeFigureOut">
               <a:rPr lang="zh-CN" altLang="en-US" smtClean="0"/>
-              <a:t>2019/6/27</a:t>
+              <a:t>2019/10/24</a:t>
             </a:fld>
             <a:endParaRPr lang="zh-CN" altLang="en-US"/>
           </a:p>
@@ -22430,7 +22430,7 @@
           <a:p>
             <a:fld id="{530820CF-B880-4189-942D-D702A7CBA730}" type="datetimeFigureOut">
               <a:rPr lang="zh-CN" altLang="en-US" smtClean="0"/>
-              <a:t>2019/6/27</a:t>
+              <a:t>2019/10/24</a:t>
             </a:fld>
             <a:endParaRPr lang="zh-CN" altLang="en-US"/>
           </a:p>
@@ -22778,7 +22778,7 @@
           <a:p>
             <a:fld id="{530820CF-B880-4189-942D-D702A7CBA730}" type="datetimeFigureOut">
               <a:rPr lang="zh-CN" altLang="en-US" smtClean="0"/>
-              <a:t>2019/6/27</a:t>
+              <a:t>2019/10/24</a:t>
             </a:fld>
             <a:endParaRPr lang="zh-CN" altLang="en-US"/>
           </a:p>
@@ -23086,7 +23086,7 @@
           <a:p>
             <a:fld id="{530820CF-B880-4189-942D-D702A7CBA730}" type="datetimeFigureOut">
               <a:rPr lang="zh-CN" altLang="en-US" smtClean="0"/>
-              <a:t>2019/6/27</a:t>
+              <a:t>2019/10/24</a:t>
             </a:fld>
             <a:endParaRPr lang="zh-CN" altLang="en-US"/>
           </a:p>
@@ -23313,7 +23313,7 @@
           <a:p>
             <a:fld id="{530820CF-B880-4189-942D-D702A7CBA730}" type="datetimeFigureOut">
               <a:rPr lang="zh-CN" altLang="en-US" smtClean="0"/>
-              <a:t>2019/6/27</a:t>
+              <a:t>2019/10/24</a:t>
             </a:fld>
             <a:endParaRPr lang="zh-CN" altLang="en-US"/>
           </a:p>
@@ -23403,7 +23403,7 @@
           <a:p>
             <a:fld id="{530820CF-B880-4189-942D-D702A7CBA730}" type="datetimeFigureOut">
               <a:rPr lang="zh-CN" altLang="en-US" smtClean="0"/>
-              <a:t>2019/6/27</a:t>
+              <a:t>2019/10/24</a:t>
             </a:fld>
             <a:endParaRPr lang="zh-CN" altLang="en-US"/>
           </a:p>
@@ -23691,7 +23691,7 @@
           <a:p>
             <a:fld id="{530820CF-B880-4189-942D-D702A7CBA730}" type="datetimeFigureOut">
               <a:rPr lang="zh-CN" altLang="en-US" smtClean="0"/>
-              <a:t>2019/6/27</a:t>
+              <a:t>2019/10/24</a:t>
             </a:fld>
             <a:endParaRPr lang="zh-CN" altLang="en-US"/>
           </a:p>
@@ -23960,7 +23960,7 @@
           <a:p>
             <a:fld id="{530820CF-B880-4189-942D-D702A7CBA730}" type="datetimeFigureOut">
               <a:rPr lang="zh-CN" altLang="en-US" smtClean="0"/>
-              <a:t>2019/6/27</a:t>
+              <a:t>2019/10/24</a:t>
             </a:fld>
             <a:endParaRPr lang="zh-CN" altLang="en-US"/>
           </a:p>
@@ -24170,7 +24170,7 @@
           <a:p>
             <a:fld id="{530820CF-B880-4189-942D-D702A7CBA730}" type="datetimeFigureOut">
               <a:rPr lang="zh-CN" altLang="en-US" smtClean="0"/>
-              <a:t>2019/6/27</a:t>
+              <a:t>2019/10/24</a:t>
             </a:fld>
             <a:endParaRPr lang="zh-CN" altLang="en-US"/>
           </a:p>
@@ -24690,7 +24690,13 @@
       </p:grpSpPr>
       <p:sp>
         <p:nvSpPr>
-          <p:cNvPr id="2" name="标题 1"/>
+          <p:cNvPr id="11" name="标题 1">
+            <a:extLst>
+              <a:ext uri="{FF2B5EF4-FFF2-40B4-BE49-F238E27FC236}">
+                <a16:creationId xmlns:a16="http://schemas.microsoft.com/office/drawing/2014/main" id="{4F9BC3DB-DA81-4C4F-940E-7A4DAAB19C62}"/>
+              </a:ext>
+            </a:extLst>
+          </p:cNvPr>
           <p:cNvSpPr>
             <a:spLocks noGrp="1"/>
           </p:cNvSpPr>
@@ -24709,24 +24715,23 @@
           <a:lstStyle/>
           <a:p>
             <a:r>
-              <a:rPr lang="en-US" altLang="zh-CN" sz="3600" dirty="0"/>
-              <a:t>《</a:t>
-            </a:r>
-            <a:r>
-              <a:rPr lang="zh-CN" altLang="en-US" sz="3600" dirty="0"/>
+              <a:rPr lang="zh-CN" altLang="en-US" sz="4400" dirty="0">
+                <a:latin typeface="+mj-ea"/>
+              </a:rPr>
               <a:t>商务网站设计与开发</a:t>
             </a:r>
-            <a:r>
-              <a:rPr lang="en-US" altLang="zh-CN" sz="3600" dirty="0"/>
-              <a:t>》</a:t>
-            </a:r>
-            <a:endParaRPr lang="zh-CN" altLang="en-US" sz="3600" dirty="0"/>
           </a:p>
         </p:txBody>
       </p:sp>
       <p:sp>
         <p:nvSpPr>
-          <p:cNvPr id="3" name="副标题 2"/>
+          <p:cNvPr id="12" name="副标题 2">
+            <a:extLst>
+              <a:ext uri="{FF2B5EF4-FFF2-40B4-BE49-F238E27FC236}">
+                <a16:creationId xmlns:a16="http://schemas.microsoft.com/office/drawing/2014/main" id="{9D043C6B-2829-457E-89F6-B22B1D140A64}"/>
+              </a:ext>
+            </a:extLst>
+          </p:cNvPr>
           <p:cNvSpPr>
             <a:spLocks noGrp="1"/>
           </p:cNvSpPr>
@@ -24734,33 +24739,68 @@
             <p:ph type="subTitle" idx="1"/>
           </p:nvPr>
         </p:nvSpPr>
-        <p:spPr/>
+        <p:spPr>
+          <a:xfrm>
+            <a:off x="1371600" y="3505072"/>
+            <a:ext cx="6400800" cy="596458"/>
+          </a:xfrm>
+        </p:spPr>
         <p:txBody>
           <a:bodyPr>
-            <a:normAutofit fontScale="77500" lnSpcReduction="20000"/>
+            <a:normAutofit/>
           </a:bodyPr>
           <a:lstStyle/>
           <a:p>
-            <a:r>
-              <a:rPr lang="zh-CN" altLang="en-US" dirty="0"/>
-              <a:t>温浩宇  李慧</a:t>
-            </a:r>
-            <a:endParaRPr lang="en-US" altLang="zh-CN" dirty="0"/>
-          </a:p>
-          <a:p>
-            <a:endParaRPr lang="en-US" altLang="zh-CN" dirty="0"/>
-          </a:p>
-          <a:p>
-            <a:r>
-              <a:rPr lang="zh-CN" altLang="en-US" dirty="0"/>
-              <a:t>西安电子科技大学</a:t>
-            </a:r>
+            <a:pPr>
+              <a:spcBef>
+                <a:spcPct val="0"/>
+              </a:spcBef>
+            </a:pPr>
+            <a:r>
+              <a:rPr lang="zh-CN" altLang="en-US" sz="3200" dirty="0">
+                <a:solidFill>
+                  <a:schemeClr val="tx2"/>
+                </a:solidFill>
+                <a:effectLst>
+                  <a:outerShdw blurRad="63500" dist="38100" dir="5400000" algn="t" rotWithShape="0">
+                    <a:prstClr val="black">
+                      <a:alpha val="25000"/>
+                    </a:prstClr>
+                  </a:outerShdw>
+                </a:effectLst>
+                <a:latin typeface="+mj-ea"/>
+                <a:ea typeface="+mj-ea"/>
+                <a:cs typeface="+mj-cs"/>
+              </a:rPr>
+              <a:t>温浩宇</a:t>
+            </a:r>
+            <a:endParaRPr lang="zh-CN" altLang="en-US" sz="3600" dirty="0">
+              <a:solidFill>
+                <a:schemeClr val="tx2"/>
+              </a:solidFill>
+              <a:effectLst>
+                <a:outerShdw blurRad="63500" dist="38100" dir="5400000" algn="t" rotWithShape="0">
+                  <a:prstClr val="black">
+                    <a:alpha val="25000"/>
+                  </a:prstClr>
+                </a:outerShdw>
+              </a:effectLst>
+              <a:latin typeface="+mj-ea"/>
+              <a:ea typeface="+mj-ea"/>
+              <a:cs typeface="+mj-cs"/>
+            </a:endParaRPr>
           </a:p>
         </p:txBody>
       </p:sp>
       <p:pic>
         <p:nvPicPr>
-          <p:cNvPr id="2051" name="Picture 3"/>
+          <p:cNvPr id="13" name="Picture 3">
+            <a:extLst>
+              <a:ext uri="{FF2B5EF4-FFF2-40B4-BE49-F238E27FC236}">
+                <a16:creationId xmlns:a16="http://schemas.microsoft.com/office/drawing/2014/main" id="{9F60D073-642A-4BAC-A076-7881EFEF35AB}"/>
+              </a:ext>
+            </a:extLst>
+          </p:cNvPr>
           <p:cNvPicPr>
             <a:picLocks noChangeAspect="1" noChangeArrowheads="1"/>
           </p:cNvPicPr>
@@ -24781,7 +24821,7 @@
         </p:blipFill>
         <p:spPr bwMode="auto">
           <a:xfrm>
-            <a:off x="3440155" y="1723319"/>
+            <a:off x="3203848" y="2225080"/>
             <a:ext cx="792815" cy="1080120"/>
           </a:xfrm>
           <a:prstGeom prst="rect">
@@ -24814,7 +24854,13 @@
       </p:pic>
       <p:sp>
         <p:nvSpPr>
-          <p:cNvPr id="6" name="标题 1"/>
+          <p:cNvPr id="14" name="标题 1">
+            <a:extLst>
+              <a:ext uri="{FF2B5EF4-FFF2-40B4-BE49-F238E27FC236}">
+                <a16:creationId xmlns:a16="http://schemas.microsoft.com/office/drawing/2014/main" id="{B0A18647-506A-43FA-A785-9737880F726C}"/>
+              </a:ext>
+            </a:extLst>
+          </p:cNvPr>
           <p:cNvSpPr txBox="1">
             <a:spLocks/>
           </p:cNvSpPr>
@@ -24822,7 +24868,7 @@
         </p:nvSpPr>
         <p:spPr>
           <a:xfrm>
-            <a:off x="683568" y="3003798"/>
+            <a:off x="685800" y="1428750"/>
             <a:ext cx="7772400" cy="596458"/>
           </a:xfrm>
           <a:prstGeom prst="rect">
@@ -24861,31 +24907,50 @@
           </a:lstStyle>
           <a:p>
             <a:r>
-              <a:rPr lang="zh-CN" altLang="en-US" sz="3600" dirty="0"/>
+              <a:rPr lang="zh-CN" altLang="en-US" sz="3200" dirty="0">
+                <a:latin typeface="+mj-ea"/>
+              </a:rPr>
               <a:t>第</a:t>
             </a:r>
             <a:r>
-              <a:rPr lang="en-US" altLang="zh-CN" sz="3600" dirty="0"/>
+              <a:rPr lang="en-US" altLang="zh-CN" sz="3200" dirty="0">
+                <a:latin typeface="+mj-ea"/>
+              </a:rPr>
               <a:t>8</a:t>
             </a:r>
             <a:r>
-              <a:rPr lang="zh-CN" altLang="en-US" sz="3600" dirty="0"/>
+              <a:rPr lang="zh-CN" altLang="en-US" sz="3200" dirty="0">
+                <a:latin typeface="+mj-ea"/>
+              </a:rPr>
               <a:t>章 </a:t>
             </a:r>
             <a:r>
-              <a:rPr lang="en-US" altLang="zh-CN" sz="3600" dirty="0"/>
+              <a:rPr lang="en-US" altLang="zh-CN" sz="3200" dirty="0">
+                <a:latin typeface="+mj-ea"/>
+              </a:rPr>
               <a:t>JSP</a:t>
             </a:r>
             <a:r>
-              <a:rPr lang="zh-CN" altLang="en-US" sz="3600" dirty="0"/>
+              <a:rPr lang="zh-CN" altLang="en-US" sz="3200">
+                <a:latin typeface="+mj-ea"/>
+              </a:rPr>
               <a:t>基本语法及基本技术</a:t>
             </a:r>
+            <a:endParaRPr lang="zh-CN" altLang="en-US" sz="3200" dirty="0">
+              <a:latin typeface="+mj-ea"/>
+            </a:endParaRPr>
           </a:p>
         </p:txBody>
       </p:sp>
       <p:pic>
         <p:nvPicPr>
-          <p:cNvPr id="7" name="Picture 2" descr="https://timgsa.baidu.com/timg?image&amp;quality=80&amp;size=b9999_10000&amp;sec=1493707801922&amp;di=a778f19d7f0d1e13a6f35b73b9469273&amp;imgtype=0&amp;src=http%3A%2F%2Fpic.baike.soso.com%2Fp%2F20120826%2Fbki-20120826090810-1627753076.jpg"/>
+          <p:cNvPr id="15" name="Picture 2" descr="https://timgsa.baidu.com/timg?image&amp;quality=80&amp;size=b9999_10000&amp;sec=1493707801922&amp;di=a778f19d7f0d1e13a6f35b73b9469273&amp;imgtype=0&amp;src=http%3A%2F%2Fpic.baike.soso.com%2Fp%2F20120826%2Fbki-20120826090810-1627753076.jpg">
+            <a:extLst>
+              <a:ext uri="{FF2B5EF4-FFF2-40B4-BE49-F238E27FC236}">
+                <a16:creationId xmlns:a16="http://schemas.microsoft.com/office/drawing/2014/main" id="{E95ABDF7-B299-4501-8C25-E9A623962AFF}"/>
+              </a:ext>
+            </a:extLst>
+          </p:cNvPr>
           <p:cNvPicPr>
             <a:picLocks noChangeAspect="1" noChangeArrowheads="1"/>
           </p:cNvPicPr>
@@ -24906,7 +24971,7 @@
         </p:blipFill>
         <p:spPr bwMode="auto">
           <a:xfrm>
-            <a:off x="4860032" y="1636161"/>
+            <a:off x="4788024" y="2137922"/>
             <a:ext cx="1254435" cy="1254435"/>
           </a:xfrm>
           <a:prstGeom prst="rect">
@@ -24924,6 +24989,215 @@
           </a:extLst>
         </p:spPr>
       </p:pic>
+      <p:sp>
+        <p:nvSpPr>
+          <p:cNvPr id="16" name="副标题 2">
+            <a:extLst>
+              <a:ext uri="{FF2B5EF4-FFF2-40B4-BE49-F238E27FC236}">
+                <a16:creationId xmlns:a16="http://schemas.microsoft.com/office/drawing/2014/main" id="{EE78407E-FA6C-4C0F-8140-79B0D28CF2C8}"/>
+              </a:ext>
+            </a:extLst>
+          </p:cNvPr>
+          <p:cNvSpPr txBox="1">
+            <a:spLocks/>
+          </p:cNvSpPr>
+          <p:nvPr/>
+        </p:nvSpPr>
+        <p:spPr>
+          <a:xfrm>
+            <a:off x="1371600" y="4169278"/>
+            <a:ext cx="6400800" cy="641426"/>
+          </a:xfrm>
+          <a:prstGeom prst="rect">
+            <a:avLst/>
+          </a:prstGeom>
+        </p:spPr>
+        <p:txBody>
+          <a:bodyPr vert="horz" lIns="91440" tIns="45720" rIns="91440" bIns="45720" rtlCol="0">
+            <a:normAutofit/>
+          </a:bodyPr>
+          <a:lstStyle>
+            <a:lvl1pPr marL="0" indent="0" algn="ctr" defTabSz="914400" rtl="0" eaLnBrk="1" latinLnBrk="0" hangingPunct="1">
+              <a:spcBef>
+                <a:spcPct val="20000"/>
+              </a:spcBef>
+              <a:buFont typeface="Arial" pitchFamily="34" charset="0"/>
+              <a:buNone/>
+              <a:defRPr sz="2400" kern="1200">
+                <a:solidFill>
+                  <a:schemeClr val="tx1">
+                    <a:tint val="75000"/>
+                  </a:schemeClr>
+                </a:solidFill>
+                <a:latin typeface="+mj-lt"/>
+                <a:ea typeface="+mn-ea"/>
+                <a:cs typeface="+mn-cs"/>
+              </a:defRPr>
+            </a:lvl1pPr>
+            <a:lvl2pPr marL="457200" indent="0" algn="ctr" defTabSz="914400" rtl="0" eaLnBrk="1" latinLnBrk="0" hangingPunct="1">
+              <a:spcBef>
+                <a:spcPct val="20000"/>
+              </a:spcBef>
+              <a:buFont typeface="Courier New" pitchFamily="49" charset="0"/>
+              <a:buNone/>
+              <a:defRPr sz="1600" kern="1200">
+                <a:solidFill>
+                  <a:schemeClr val="tx1">
+                    <a:tint val="75000"/>
+                  </a:schemeClr>
+                </a:solidFill>
+                <a:latin typeface="+mj-lt"/>
+                <a:ea typeface="+mn-ea"/>
+                <a:cs typeface="+mn-cs"/>
+              </a:defRPr>
+            </a:lvl2pPr>
+            <a:lvl3pPr marL="914400" indent="0" algn="ctr" defTabSz="914400" rtl="0" eaLnBrk="1" latinLnBrk="0" hangingPunct="1">
+              <a:spcBef>
+                <a:spcPct val="20000"/>
+              </a:spcBef>
+              <a:buFont typeface="Arial" pitchFamily="34" charset="0"/>
+              <a:buNone/>
+              <a:defRPr sz="1600" kern="1200">
+                <a:solidFill>
+                  <a:schemeClr val="tx1">
+                    <a:tint val="75000"/>
+                  </a:schemeClr>
+                </a:solidFill>
+                <a:latin typeface="+mj-lt"/>
+                <a:ea typeface="+mn-ea"/>
+                <a:cs typeface="+mn-cs"/>
+              </a:defRPr>
+            </a:lvl3pPr>
+            <a:lvl4pPr marL="1371600" indent="0" algn="ctr" defTabSz="914400" rtl="0" eaLnBrk="1" latinLnBrk="0" hangingPunct="1">
+              <a:spcBef>
+                <a:spcPct val="20000"/>
+              </a:spcBef>
+              <a:buFont typeface="Courier New" pitchFamily="49" charset="0"/>
+              <a:buNone/>
+              <a:defRPr sz="1600" kern="1200">
+                <a:solidFill>
+                  <a:schemeClr val="tx1">
+                    <a:tint val="75000"/>
+                  </a:schemeClr>
+                </a:solidFill>
+                <a:latin typeface="+mj-lt"/>
+                <a:ea typeface="+mn-ea"/>
+                <a:cs typeface="+mn-cs"/>
+              </a:defRPr>
+            </a:lvl4pPr>
+            <a:lvl5pPr marL="1828800" indent="0" algn="ctr" defTabSz="914400" rtl="0" eaLnBrk="1" latinLnBrk="0" hangingPunct="1">
+              <a:spcBef>
+                <a:spcPct val="20000"/>
+              </a:spcBef>
+              <a:buFont typeface="Arial" pitchFamily="34" charset="0"/>
+              <a:buNone/>
+              <a:defRPr sz="1600" kern="1200">
+                <a:solidFill>
+                  <a:schemeClr val="tx1">
+                    <a:tint val="75000"/>
+                  </a:schemeClr>
+                </a:solidFill>
+                <a:latin typeface="+mj-lt"/>
+                <a:ea typeface="+mn-ea"/>
+                <a:cs typeface="+mn-cs"/>
+              </a:defRPr>
+            </a:lvl5pPr>
+            <a:lvl6pPr marL="2286000" indent="0" algn="ctr" defTabSz="914400" rtl="0" eaLnBrk="1" latinLnBrk="0" hangingPunct="1">
+              <a:spcBef>
+                <a:spcPct val="20000"/>
+              </a:spcBef>
+              <a:buFont typeface="Courier New" pitchFamily="49" charset="0"/>
+              <a:buNone/>
+              <a:defRPr sz="1600" kern="1200">
+                <a:solidFill>
+                  <a:schemeClr val="tx1">
+                    <a:tint val="75000"/>
+                  </a:schemeClr>
+                </a:solidFill>
+                <a:latin typeface="+mj-lt"/>
+                <a:ea typeface="+mn-ea"/>
+                <a:cs typeface="+mn-cs"/>
+              </a:defRPr>
+            </a:lvl6pPr>
+            <a:lvl7pPr marL="2743200" indent="0" algn="ctr" defTabSz="914400" rtl="0" eaLnBrk="1" latinLnBrk="0" hangingPunct="1">
+              <a:spcBef>
+                <a:spcPct val="20000"/>
+              </a:spcBef>
+              <a:buFont typeface="Arial" pitchFamily="34" charset="0"/>
+              <a:buNone/>
+              <a:defRPr sz="1600" kern="1200">
+                <a:solidFill>
+                  <a:schemeClr val="tx1">
+                    <a:tint val="75000"/>
+                  </a:schemeClr>
+                </a:solidFill>
+                <a:latin typeface="+mj-lt"/>
+                <a:ea typeface="+mn-ea"/>
+                <a:cs typeface="+mn-cs"/>
+              </a:defRPr>
+            </a:lvl7pPr>
+            <a:lvl8pPr marL="3200400" indent="0" algn="ctr" defTabSz="914400" rtl="0" eaLnBrk="1" latinLnBrk="0" hangingPunct="1">
+              <a:spcBef>
+                <a:spcPct val="20000"/>
+              </a:spcBef>
+              <a:buFont typeface="Courier New" pitchFamily="49" charset="0"/>
+              <a:buNone/>
+              <a:defRPr sz="1600" kern="1200">
+                <a:solidFill>
+                  <a:schemeClr val="tx1">
+                    <a:tint val="75000"/>
+                  </a:schemeClr>
+                </a:solidFill>
+                <a:latin typeface="+mj-lt"/>
+                <a:ea typeface="+mn-ea"/>
+                <a:cs typeface="+mn-cs"/>
+              </a:defRPr>
+            </a:lvl8pPr>
+            <a:lvl9pPr marL="3657600" indent="0" algn="ctr" defTabSz="914400" rtl="0" eaLnBrk="1" latinLnBrk="0" hangingPunct="1">
+              <a:spcBef>
+                <a:spcPct val="20000"/>
+              </a:spcBef>
+              <a:buFont typeface="Arial" pitchFamily="34" charset="0"/>
+              <a:buNone/>
+              <a:defRPr sz="1600" kern="1200">
+                <a:solidFill>
+                  <a:schemeClr val="tx1">
+                    <a:tint val="75000"/>
+                  </a:schemeClr>
+                </a:solidFill>
+                <a:latin typeface="+mj-lt"/>
+                <a:ea typeface="+mn-ea"/>
+                <a:cs typeface="+mn-cs"/>
+              </a:defRPr>
+            </a:lvl9pPr>
+          </a:lstStyle>
+          <a:p>
+            <a:pPr>
+              <a:spcBef>
+                <a:spcPct val="0"/>
+              </a:spcBef>
+            </a:pPr>
+            <a:r>
+              <a:rPr lang="zh-CN" altLang="en-US" sz="3600" dirty="0">
+                <a:solidFill>
+                  <a:schemeClr val="tx2"/>
+                </a:solidFill>
+                <a:effectLst>
+                  <a:outerShdw blurRad="63500" dist="38100" dir="5400000" algn="t" rotWithShape="0">
+                    <a:prstClr val="black">
+                      <a:alpha val="25000"/>
+                    </a:prstClr>
+                  </a:outerShdw>
+                </a:effectLst>
+                <a:latin typeface="+mj-ea"/>
+                <a:ea typeface="+mj-ea"/>
+                <a:cs typeface="+mj-cs"/>
+              </a:rPr>
+              <a:t>西安电子科技大学</a:t>
+            </a:r>
+          </a:p>
+        </p:txBody>
+      </p:sp>
     </p:spTree>
     <p:extLst>
       <p:ext uri="{BB962C8B-B14F-4D97-AF65-F5344CB8AC3E}">
